--- a/slides/slide1.pptx
+++ b/slides/slide1.pptx
@@ -3666,6 +3666,36 @@
           </a:p>
         </p:txBody>
       </p:sp>
+      <p:sp>
+        <p:nvSpPr>
+          <p:cNvPr id="2" name="文字方塊 1"/>
+          <p:cNvSpPr txBox="1"/>
+          <p:nvPr/>
+        </p:nvSpPr>
+        <p:spPr>
+          <a:xfrm>
+            <a:off x="1246777" y="4357430"/>
+            <a:ext cx="2031325" cy="369332"/>
+          </a:xfrm>
+          <a:prstGeom prst="rect">
+            <a:avLst/>
+          </a:prstGeom>
+          <a:noFill/>
+        </p:spPr>
+        <p:txBody>
+          <a:bodyPr wrap="none" rtlCol="0">
+            <a:spAutoFit/>
+          </a:bodyPr>
+          <a:lstStyle/>
+          <a:p>
+            <a:r>
+              <a:rPr kumimoji="1" lang="zh-TW" altLang="en-US" dirty="0" smtClean="0"/>
+              <a:t>文字方塊弧線右移</a:t>
+            </a:r>
+            <a:endParaRPr kumimoji="1" lang="zh-TW" altLang="en-US" dirty="0"/>
+          </a:p>
+        </p:txBody>
+      </p:sp>
     </p:spTree>
     <p:extLst>
       <p:ext uri="{BB962C8B-B14F-4D97-AF65-F5344CB8AC3E}">
@@ -3770,6 +3800,45 @@
                       </p:childTnLst>
                     </p:cTn>
                   </p:par>
+                  <p:par>
+                    <p:cTn id="11" fill="hold">
+                      <p:stCondLst>
+                        <p:cond delay="indefinite"/>
+                      </p:stCondLst>
+                      <p:childTnLst>
+                        <p:par>
+                          <p:cTn id="12" fill="hold">
+                            <p:stCondLst>
+                              <p:cond delay="0"/>
+                            </p:stCondLst>
+                            <p:childTnLst>
+                              <p:par>
+                                <p:cTn id="13" presetID="37" presetClass="path" presetSubtype="0" accel="50000" decel="50000" fill="hold" grpId="0" nodeType="clickEffect">
+                                  <p:stCondLst>
+                                    <p:cond delay="0"/>
+                                  </p:stCondLst>
+                                  <p:childTnLst>
+                                    <p:animMotion origin="layout" path="M 0 0  L 0.067 0.05331  C 0.081 0.06531  0.102 0.07198  0.124 0.07198  C 0.149 0.07198  0.169 0.06531  0.183 0.05331  L 0.25 0  E" pathEditMode="relative" ptsTypes="">
+                                      <p:cBhvr>
+                                        <p:cTn id="14" dur="2000" fill="hold"/>
+                                        <p:tgtEl>
+                                          <p:spTgt spid="2"/>
+                                        </p:tgtEl>
+                                        <p:attrNameLst>
+                                          <p:attrName>ppt_x</p:attrName>
+                                          <p:attrName>ppt_y</p:attrName>
+                                        </p:attrNameLst>
+                                      </p:cBhvr>
+                                    </p:animMotion>
+                                  </p:childTnLst>
+                                </p:cTn>
+                              </p:par>
+                            </p:childTnLst>
+                          </p:cTn>
+                        </p:par>
+                      </p:childTnLst>
+                    </p:cTn>
+                  </p:par>
                 </p:childTnLst>
               </p:cTn>
               <p:prevCondLst>
@@ -3791,6 +3860,9 @@
         </p:cTn>
       </p:par>
     </p:tnLst>
+    <p:bldLst>
+      <p:bldP spid="2" grpId="0"/>
+    </p:bldLst>
   </p:timing>
 </p:sld>
 </file>
@@ -3874,6 +3946,13 @@
   <p:clrMapOvr>
     <a:masterClrMapping/>
   </p:clrMapOvr>
+  <p:timing>
+    <p:tnLst>
+      <p:par>
+        <p:cTn xmlns:p14="http://schemas.microsoft.com/office/powerpoint/2010/main" id="1" dur="indefinite" restart="never" nodeType="tmRoot"/>
+      </p:par>
+    </p:tnLst>
+  </p:timing>
 </p:sld>
 </file>
 

--- a/slides/slide1.pptx
+++ b/slides/slide1.pptx
@@ -9,6 +9,8 @@
     <p:sldId id="257" r:id="rId3"/>
     <p:sldId id="258" r:id="rId4"/>
     <p:sldId id="259" r:id="rId5"/>
+    <p:sldId id="260" r:id="rId6"/>
+    <p:sldId id="261" r:id="rId7"/>
   </p:sldIdLst>
   <p:sldSz cx="9144000" cy="6858000" type="screen4x3"/>
   <p:notesSz cx="6858000" cy="9144000"/>
@@ -2532,8 +2534,8 @@
 <p:sldMaster xmlns:a="http://schemas.openxmlformats.org/drawingml/2006/main" xmlns:r="http://schemas.openxmlformats.org/officeDocument/2006/relationships" xmlns:p="http://schemas.openxmlformats.org/presentationml/2006/main">
   <p:cSld>
     <p:bg>
-      <p:bgRef idx="1002">
-        <a:schemeClr val="bg1"/>
+      <p:bgRef idx="1003">
+        <a:schemeClr val="bg2"/>
       </p:bgRef>
     </p:bg>
     <p:spTree>
@@ -2857,6 +2859,35 @@
           </a:p>
         </p:txBody>
       </p:sp>
+      <p:pic>
+        <p:nvPicPr>
+          <p:cNvPr id="9" name="圖片 8" descr="image6.png"/>
+          <p:cNvPicPr>
+            <a:picLocks noChangeAspect="1"/>
+          </p:cNvPicPr>
+          <p:nvPr userDrawn="1"/>
+        </p:nvPicPr>
+        <p:blipFill rotWithShape="1">
+          <a:blip r:embed="rId13">
+            <a:extLst>
+              <a:ext uri="{28A0092B-C50C-407E-A947-70E740481C1C}">
+                <a14:useLocalDpi xmlns:a14="http://schemas.microsoft.com/office/drawing/2010/main" val="0"/>
+              </a:ext>
+            </a:extLst>
+          </a:blip>
+          <a:srcRect l="5681" t="34663" r="6586" b="32076"/>
+          <a:stretch/>
+        </p:blipFill>
+        <p:spPr>
+          <a:xfrm>
+            <a:off x="6145327" y="6200380"/>
+            <a:ext cx="2312871" cy="657618"/>
+          </a:xfrm>
+          <a:prstGeom prst="rect">
+            <a:avLst/>
+          </a:prstGeom>
+        </p:spPr>
+      </p:pic>
     </p:spTree>
   </p:cSld>
   <p:clrMap bg1="lt1" tx1="dk1" bg2="lt2" tx2="dk2" accent1="accent1" accent2="accent2" accent3="accent3" accent4="accent4" accent5="accent5" accent6="accent6" hlink="hlink" folHlink="folHlink"/>
@@ -3299,6 +3330,17 @@
               <a:rPr kumimoji="1" lang="zh-TW" altLang="en-US" dirty="0" smtClean="0"/>
               <a:t>第一條</a:t>
             </a:r>
+            <a:r>
+              <a:rPr kumimoji="1" lang="en-US" altLang="zh-TW" dirty="0" smtClean="0"/>
+              <a:t/>
+            </a:r>
+            <a:br>
+              <a:rPr kumimoji="1" lang="en-US" altLang="zh-TW" dirty="0" smtClean="0"/>
+            </a:br>
+            <a:r>
+              <a:rPr kumimoji="1" lang="zh-TW" altLang="en-US" dirty="0" smtClean="0"/>
+              <a:t>測試測試</a:t>
+            </a:r>
             <a:endParaRPr kumimoji="1" lang="en-US" altLang="zh-TW" dirty="0" smtClean="0"/>
           </a:p>
           <a:p>
@@ -3309,6 +3351,7 @@
             <a:endParaRPr kumimoji="1" lang="en-US" altLang="zh-TW" dirty="0" smtClean="0"/>
           </a:p>
           <a:p>
+            <a:pPr lvl="2"/>
             <a:r>
               <a:rPr kumimoji="1" lang="zh-TW" altLang="en-US" dirty="0" smtClean="0"/>
               <a:t>第三條</a:t>
@@ -3316,6 +3359,7 @@
             <a:endParaRPr kumimoji="1" lang="en-US" altLang="zh-TW" dirty="0" smtClean="0"/>
           </a:p>
           <a:p>
+            <a:pPr lvl="3"/>
             <a:r>
               <a:rPr kumimoji="1" lang="zh-TW" altLang="en-US" dirty="0" smtClean="0"/>
               <a:t>第四條</a:t>
@@ -3337,231 +3381,9 @@
   <p:timing>
     <p:tnLst>
       <p:par>
-        <p:cTn xmlns:p14="http://schemas.microsoft.com/office/powerpoint/2010/main" id="1" dur="indefinite" restart="never" nodeType="tmRoot">
-          <p:childTnLst>
-            <p:seq concurrent="1" nextAc="seek">
-              <p:cTn id="2" dur="indefinite" nodeType="mainSeq">
-                <p:childTnLst>
-                  <p:par>
-                    <p:cTn id="3" fill="hold">
-                      <p:stCondLst>
-                        <p:cond delay="indefinite"/>
-                      </p:stCondLst>
-                      <p:childTnLst>
-                        <p:par>
-                          <p:cTn id="4" fill="hold">
-                            <p:stCondLst>
-                              <p:cond delay="0"/>
-                            </p:stCondLst>
-                            <p:childTnLst>
-                              <p:par>
-                                <p:cTn id="5" presetID="1" presetClass="entr" presetSubtype="0" fill="hold" grpId="0" nodeType="clickEffect">
-                                  <p:stCondLst>
-                                    <p:cond delay="0"/>
-                                  </p:stCondLst>
-                                  <p:childTnLst>
-                                    <p:set>
-                                      <p:cBhvr>
-                                        <p:cTn id="6" dur="1" fill="hold">
-                                          <p:stCondLst>
-                                            <p:cond delay="0"/>
-                                          </p:stCondLst>
-                                        </p:cTn>
-                                        <p:tgtEl>
-                                          <p:spTgt spid="3">
-                                            <p:txEl>
-                                              <p:pRg st="0" end="0"/>
-                                            </p:txEl>
-                                          </p:spTgt>
-                                        </p:tgtEl>
-                                        <p:attrNameLst>
-                                          <p:attrName>style.visibility</p:attrName>
-                                        </p:attrNameLst>
-                                      </p:cBhvr>
-                                      <p:to>
-                                        <p:strVal val="visible"/>
-                                      </p:to>
-                                    </p:set>
-                                  </p:childTnLst>
-                                </p:cTn>
-                              </p:par>
-                            </p:childTnLst>
-                          </p:cTn>
-                        </p:par>
-                      </p:childTnLst>
-                    </p:cTn>
-                  </p:par>
-                  <p:par>
-                    <p:cTn id="7" fill="hold">
-                      <p:stCondLst>
-                        <p:cond delay="indefinite"/>
-                      </p:stCondLst>
-                      <p:childTnLst>
-                        <p:par>
-                          <p:cTn id="8" fill="hold">
-                            <p:stCondLst>
-                              <p:cond delay="0"/>
-                            </p:stCondLst>
-                            <p:childTnLst>
-                              <p:par>
-                                <p:cTn id="9" presetID="1" presetClass="entr" presetSubtype="0" fill="hold" grpId="0" nodeType="clickEffect">
-                                  <p:stCondLst>
-                                    <p:cond delay="0"/>
-                                  </p:stCondLst>
-                                  <p:childTnLst>
-                                    <p:set>
-                                      <p:cBhvr>
-                                        <p:cTn id="10" dur="1" fill="hold">
-                                          <p:stCondLst>
-                                            <p:cond delay="0"/>
-                                          </p:stCondLst>
-                                        </p:cTn>
-                                        <p:tgtEl>
-                                          <p:spTgt spid="3">
-                                            <p:txEl>
-                                              <p:pRg st="1" end="1"/>
-                                            </p:txEl>
-                                          </p:spTgt>
-                                        </p:tgtEl>
-                                        <p:attrNameLst>
-                                          <p:attrName>style.visibility</p:attrName>
-                                        </p:attrNameLst>
-                                      </p:cBhvr>
-                                      <p:to>
-                                        <p:strVal val="visible"/>
-                                      </p:to>
-                                    </p:set>
-                                  </p:childTnLst>
-                                </p:cTn>
-                              </p:par>
-                            </p:childTnLst>
-                          </p:cTn>
-                        </p:par>
-                      </p:childTnLst>
-                    </p:cTn>
-                  </p:par>
-                  <p:par>
-                    <p:cTn id="11" fill="hold">
-                      <p:stCondLst>
-                        <p:cond delay="indefinite"/>
-                      </p:stCondLst>
-                      <p:childTnLst>
-                        <p:par>
-                          <p:cTn id="12" fill="hold">
-                            <p:stCondLst>
-                              <p:cond delay="0"/>
-                            </p:stCondLst>
-                            <p:childTnLst>
-                              <p:par>
-                                <p:cTn id="13" presetID="1" presetClass="entr" presetSubtype="0" fill="hold" grpId="0" nodeType="clickEffect">
-                                  <p:stCondLst>
-                                    <p:cond delay="0"/>
-                                  </p:stCondLst>
-                                  <p:childTnLst>
-                                    <p:set>
-                                      <p:cBhvr>
-                                        <p:cTn id="14" dur="1" fill="hold">
-                                          <p:stCondLst>
-                                            <p:cond delay="0"/>
-                                          </p:stCondLst>
-                                        </p:cTn>
-                                        <p:tgtEl>
-                                          <p:spTgt spid="3">
-                                            <p:txEl>
-                                              <p:pRg st="2" end="2"/>
-                                            </p:txEl>
-                                          </p:spTgt>
-                                        </p:tgtEl>
-                                        <p:attrNameLst>
-                                          <p:attrName>style.visibility</p:attrName>
-                                        </p:attrNameLst>
-                                      </p:cBhvr>
-                                      <p:to>
-                                        <p:strVal val="visible"/>
-                                      </p:to>
-                                    </p:set>
-                                  </p:childTnLst>
-                                </p:cTn>
-                              </p:par>
-                            </p:childTnLst>
-                          </p:cTn>
-                        </p:par>
-                      </p:childTnLst>
-                    </p:cTn>
-                  </p:par>
-                  <p:par>
-                    <p:cTn id="15" fill="hold">
-                      <p:stCondLst>
-                        <p:cond delay="indefinite"/>
-                      </p:stCondLst>
-                      <p:childTnLst>
-                        <p:par>
-                          <p:cTn id="16" fill="hold">
-                            <p:stCondLst>
-                              <p:cond delay="0"/>
-                            </p:stCondLst>
-                            <p:childTnLst>
-                              <p:par>
-                                <p:cTn id="17" presetID="1" presetClass="entr" presetSubtype="0" fill="hold" grpId="0" nodeType="clickEffect">
-                                  <p:stCondLst>
-                                    <p:cond delay="0"/>
-                                  </p:stCondLst>
-                                  <p:childTnLst>
-                                    <p:set>
-                                      <p:cBhvr>
-                                        <p:cTn id="18" dur="1" fill="hold">
-                                          <p:stCondLst>
-                                            <p:cond delay="0"/>
-                                          </p:stCondLst>
-                                        </p:cTn>
-                                        <p:tgtEl>
-                                          <p:spTgt spid="3">
-                                            <p:txEl>
-                                              <p:pRg st="3" end="3"/>
-                                            </p:txEl>
-                                          </p:spTgt>
-                                        </p:tgtEl>
-                                        <p:attrNameLst>
-                                          <p:attrName>style.visibility</p:attrName>
-                                        </p:attrNameLst>
-                                      </p:cBhvr>
-                                      <p:to>
-                                        <p:strVal val="visible"/>
-                                      </p:to>
-                                    </p:set>
-                                  </p:childTnLst>
-                                </p:cTn>
-                              </p:par>
-                            </p:childTnLst>
-                          </p:cTn>
-                        </p:par>
-                      </p:childTnLst>
-                    </p:cTn>
-                  </p:par>
-                </p:childTnLst>
-              </p:cTn>
-              <p:prevCondLst>
-                <p:cond evt="onPrev" delay="0">
-                  <p:tgtEl>
-                    <p:sldTgt/>
-                  </p:tgtEl>
-                </p:cond>
-              </p:prevCondLst>
-              <p:nextCondLst>
-                <p:cond evt="onNext" delay="0">
-                  <p:tgtEl>
-                    <p:sldTgt/>
-                  </p:tgtEl>
-                </p:cond>
-              </p:nextCondLst>
-            </p:seq>
-          </p:childTnLst>
-        </p:cTn>
+        <p:cTn xmlns:p14="http://schemas.microsoft.com/office/powerpoint/2010/main" id="1" dur="indefinite" restart="never" nodeType="tmRoot"/>
       </p:par>
     </p:tnLst>
-    <p:bldLst>
-      <p:bldP spid="3" grpId="0" build="p"/>
-    </p:bldLst>
   </p:timing>
 </p:sld>
 </file>
@@ -3709,160 +3531,9 @@
   <p:timing>
     <p:tnLst>
       <p:par>
-        <p:cTn xmlns:p14="http://schemas.microsoft.com/office/powerpoint/2010/main" id="1" dur="indefinite" restart="never" nodeType="tmRoot">
-          <p:childTnLst>
-            <p:seq concurrent="1" nextAc="seek">
-              <p:cTn id="2" dur="indefinite" nodeType="mainSeq">
-                <p:childTnLst>
-                  <p:par>
-                    <p:cTn id="3" fill="hold">
-                      <p:stCondLst>
-                        <p:cond delay="indefinite"/>
-                      </p:stCondLst>
-                      <p:childTnLst>
-                        <p:par>
-                          <p:cTn id="4" fill="hold">
-                            <p:stCondLst>
-                              <p:cond delay="0"/>
-                            </p:stCondLst>
-                            <p:childTnLst>
-                              <p:par>
-                                <p:cTn id="5" presetID="63" presetClass="path" presetSubtype="0" accel="50000" decel="50000" fill="hold" nodeType="clickEffect">
-                                  <p:stCondLst>
-                                    <p:cond delay="0"/>
-                                  </p:stCondLst>
-                                  <p:childTnLst>
-                                    <p:animMotion origin="layout" path="M 0 0  L 0.25 0  E" pathEditMode="relative" ptsTypes="">
-                                      <p:cBhvr>
-                                        <p:cTn id="6" dur="2000" fill="hold"/>
-                                        <p:tgtEl>
-                                          <p:spTgt spid="5">
-                                            <p:txEl>
-                                              <p:pRg st="0" end="0"/>
-                                            </p:txEl>
-                                          </p:spTgt>
-                                        </p:tgtEl>
-                                        <p:attrNameLst>
-                                          <p:attrName>ppt_x</p:attrName>
-                                          <p:attrName>ppt_y</p:attrName>
-                                        </p:attrNameLst>
-                                      </p:cBhvr>
-                                    </p:animMotion>
-                                  </p:childTnLst>
-                                </p:cTn>
-                              </p:par>
-                            </p:childTnLst>
-                          </p:cTn>
-                        </p:par>
-                      </p:childTnLst>
-                    </p:cTn>
-                  </p:par>
-                  <p:par>
-                    <p:cTn id="7" fill="hold">
-                      <p:stCondLst>
-                        <p:cond delay="indefinite"/>
-                      </p:stCondLst>
-                      <p:childTnLst>
-                        <p:par>
-                          <p:cTn id="8" fill="hold">
-                            <p:stCondLst>
-                              <p:cond delay="0"/>
-                            </p:stCondLst>
-                            <p:childTnLst>
-                              <p:par>
-                                <p:cTn id="9" presetID="42" presetClass="path" presetSubtype="0" accel="50000" decel="50000" fill="hold" nodeType="clickEffect">
-                                  <p:stCondLst>
-                                    <p:cond delay="0"/>
-                                  </p:stCondLst>
-                                  <p:childTnLst>
-                                    <p:animMotion origin="layout" path="M 0 0  L 0 0.33322  E" pathEditMode="relative" ptsTypes="">
-                                      <p:cBhvr>
-                                        <p:cTn id="10" dur="2000" fill="hold"/>
-                                        <p:tgtEl>
-                                          <p:spTgt spid="6">
-                                            <p:txEl>
-                                              <p:pRg st="0" end="0"/>
-                                            </p:txEl>
-                                          </p:spTgt>
-                                        </p:tgtEl>
-                                        <p:attrNameLst>
-                                          <p:attrName>ppt_x</p:attrName>
-                                          <p:attrName>ppt_y</p:attrName>
-                                        </p:attrNameLst>
-                                      </p:cBhvr>
-                                    </p:animMotion>
-                                  </p:childTnLst>
-                                </p:cTn>
-                              </p:par>
-                            </p:childTnLst>
-                          </p:cTn>
-                        </p:par>
-                      </p:childTnLst>
-                    </p:cTn>
-                  </p:par>
-                  <p:par>
-                    <p:cTn id="11" fill="hold">
-                      <p:stCondLst>
-                        <p:cond delay="indefinite"/>
-                      </p:stCondLst>
-                      <p:childTnLst>
-                        <p:par>
-                          <p:cTn id="12" fill="hold">
-                            <p:stCondLst>
-                              <p:cond delay="0"/>
-                            </p:stCondLst>
-                            <p:childTnLst>
-                              <p:par>
-                                <p:cTn id="13" presetID="37" presetClass="path" presetSubtype="0" accel="50000" decel="50000" fill="hold" grpId="0" nodeType="clickEffect">
-                                  <p:stCondLst>
-                                    <p:cond delay="0"/>
-                                  </p:stCondLst>
-                                  <p:childTnLst>
-                                    <p:animMotion origin="layout" path="M 0 0  L 0.067 0.05331  C 0.081 0.06531  0.102 0.07198  0.124 0.07198  C 0.149 0.07198  0.169 0.06531  0.183 0.05331  L 0.25 0  E" pathEditMode="relative" ptsTypes="">
-                                      <p:cBhvr>
-                                        <p:cTn id="14" dur="2000" fill="hold"/>
-                                        <p:tgtEl>
-                                          <p:spTgt spid="2"/>
-                                        </p:tgtEl>
-                                        <p:attrNameLst>
-                                          <p:attrName>ppt_x</p:attrName>
-                                          <p:attrName>ppt_y</p:attrName>
-                                        </p:attrNameLst>
-                                      </p:cBhvr>
-                                    </p:animMotion>
-                                  </p:childTnLst>
-                                </p:cTn>
-                              </p:par>
-                            </p:childTnLst>
-                          </p:cTn>
-                        </p:par>
-                      </p:childTnLst>
-                    </p:cTn>
-                  </p:par>
-                </p:childTnLst>
-              </p:cTn>
-              <p:prevCondLst>
-                <p:cond evt="onPrev" delay="0">
-                  <p:tgtEl>
-                    <p:sldTgt/>
-                  </p:tgtEl>
-                </p:cond>
-              </p:prevCondLst>
-              <p:nextCondLst>
-                <p:cond evt="onNext" delay="0">
-                  <p:tgtEl>
-                    <p:sldTgt/>
-                  </p:tgtEl>
-                </p:cond>
-              </p:nextCondLst>
-            </p:seq>
-          </p:childTnLst>
-        </p:cTn>
+        <p:cTn xmlns:p14="http://schemas.microsoft.com/office/powerpoint/2010/main" id="1" dur="indefinite" restart="never" nodeType="tmRoot"/>
       </p:par>
     </p:tnLst>
-    <p:bldLst>
-      <p:bldP spid="2" grpId="0"/>
-    </p:bldLst>
   </p:timing>
 </p:sld>
 </file>
@@ -3928,8 +3599,8 @@
         </p:blipFill>
         <p:spPr>
           <a:xfrm>
-            <a:off x="5181600" y="5452611"/>
-            <a:ext cx="2895600" cy="854477"/>
+            <a:off x="757146" y="2659927"/>
+            <a:ext cx="7024271" cy="2072827"/>
           </a:xfrm>
           <a:prstGeom prst="rect">
             <a:avLst/>
@@ -3940,6 +3611,208 @@
     <p:extLst>
       <p:ext uri="{BB962C8B-B14F-4D97-AF65-F5344CB8AC3E}">
         <p14:creationId xmlns:p14="http://schemas.microsoft.com/office/powerpoint/2010/main" val="1985757705"/>
+      </p:ext>
+    </p:extLst>
+  </p:cSld>
+  <p:clrMapOvr>
+    <a:masterClrMapping/>
+  </p:clrMapOvr>
+  <p:timing>
+    <p:tnLst>
+      <p:par>
+        <p:cTn xmlns:p14="http://schemas.microsoft.com/office/powerpoint/2010/main" id="1" dur="indefinite" restart="never" nodeType="tmRoot"/>
+      </p:par>
+    </p:tnLst>
+  </p:timing>
+</p:sld>
+</file>
+
+<file path=ppt/slides/slide5.xml><?xml version="1.0" encoding="utf-8"?>
+<p:sld xmlns:a="http://schemas.openxmlformats.org/drawingml/2006/main" xmlns:r="http://schemas.openxmlformats.org/officeDocument/2006/relationships" xmlns:p="http://schemas.openxmlformats.org/presentationml/2006/main">
+  <p:cSld>
+    <p:spTree>
+      <p:nvGrpSpPr>
+        <p:cNvPr id="1" name=""/>
+        <p:cNvGrpSpPr/>
+        <p:nvPr/>
+      </p:nvGrpSpPr>
+      <p:grpSpPr>
+        <a:xfrm>
+          <a:off x="0" y="0"/>
+          <a:ext cx="0" cy="0"/>
+          <a:chOff x="0" y="0"/>
+          <a:chExt cx="0" cy="0"/>
+        </a:xfrm>
+      </p:grpSpPr>
+      <p:sp>
+        <p:nvSpPr>
+          <p:cNvPr id="3" name="標題 2"/>
+          <p:cNvSpPr>
+            <a:spLocks noGrp="1"/>
+          </p:cNvSpPr>
+          <p:nvPr>
+            <p:ph type="title"/>
+          </p:nvPr>
+        </p:nvSpPr>
+        <p:spPr/>
+        <p:txBody>
+          <a:bodyPr/>
+          <a:lstStyle/>
+          <a:p>
+            <a:r>
+              <a:rPr kumimoji="1" lang="zh-TW" altLang="en-US" dirty="0" smtClean="0"/>
+              <a:t>自動化動作</a:t>
+            </a:r>
+            <a:endParaRPr kumimoji="1" lang="zh-TW" altLang="en-US" dirty="0"/>
+          </a:p>
+        </p:txBody>
+      </p:sp>
+      <p:sp>
+        <p:nvSpPr>
+          <p:cNvPr id="4" name="內容版面配置區 3"/>
+          <p:cNvSpPr>
+            <a:spLocks noGrp="1"/>
+          </p:cNvSpPr>
+          <p:nvPr>
+            <p:ph idx="1"/>
+          </p:nvPr>
+        </p:nvSpPr>
+        <p:spPr/>
+        <p:txBody>
+          <a:bodyPr/>
+          <a:lstStyle/>
+          <a:p>
+            <a:r>
+              <a:rPr kumimoji="1" lang="zh-TW" altLang="en-US" dirty="0" smtClean="0"/>
+              <a:t>第一行文字</a:t>
+            </a:r>
+            <a:endParaRPr kumimoji="1" lang="en-US" altLang="zh-TW" dirty="0" smtClean="0"/>
+          </a:p>
+          <a:p>
+            <a:pPr lvl="1"/>
+            <a:r>
+              <a:rPr kumimoji="1" lang="zh-TW" altLang="en-US" dirty="0" smtClean="0"/>
+              <a:t>第二行文字</a:t>
+            </a:r>
+            <a:endParaRPr kumimoji="1" lang="en-US" altLang="zh-TW" dirty="0" smtClean="0"/>
+          </a:p>
+          <a:p>
+            <a:pPr lvl="2"/>
+            <a:r>
+              <a:rPr kumimoji="1" lang="zh-TW" altLang="en-US" dirty="0" smtClean="0"/>
+              <a:t>第三行文字</a:t>
+            </a:r>
+            <a:endParaRPr kumimoji="1" lang="en-US" altLang="zh-TW" dirty="0" smtClean="0"/>
+          </a:p>
+          <a:p>
+            <a:pPr lvl="3"/>
+            <a:r>
+              <a:rPr kumimoji="1" lang="zh-TW" altLang="en-US" dirty="0" smtClean="0"/>
+              <a:t>第四行文字</a:t>
+            </a:r>
+            <a:endParaRPr kumimoji="1" lang="zh-TW" altLang="en-US" dirty="0"/>
+          </a:p>
+        </p:txBody>
+      </p:sp>
+    </p:spTree>
+    <p:extLst>
+      <p:ext uri="{BB962C8B-B14F-4D97-AF65-F5344CB8AC3E}">
+        <p14:creationId xmlns:p14="http://schemas.microsoft.com/office/powerpoint/2010/main" val="4225186307"/>
+      </p:ext>
+    </p:extLst>
+  </p:cSld>
+  <p:clrMapOvr>
+    <a:masterClrMapping/>
+  </p:clrMapOvr>
+  <mc:AlternateContent xmlns:mc="http://schemas.openxmlformats.org/markup-compatibility/2006">
+    <mc:Choice xmlns:p14="http://schemas.microsoft.com/office/powerpoint/2010/main" Requires="p14">
+      <p:transition p14:dur="0"/>
+    </mc:Choice>
+    <mc:Fallback>
+      <p:transition xmlns:p14="http://schemas.microsoft.com/office/powerpoint/2010/main"/>
+    </mc:Fallback>
+  </mc:AlternateContent>
+  <p:timing>
+    <p:tnLst>
+      <p:par>
+        <p:cTn xmlns:p14="http://schemas.microsoft.com/office/powerpoint/2010/main" id="1" dur="indefinite" restart="never" nodeType="tmRoot"/>
+      </p:par>
+    </p:tnLst>
+  </p:timing>
+</p:sld>
+</file>
+
+<file path=ppt/slides/slide6.xml><?xml version="1.0" encoding="utf-8"?>
+<p:sld xmlns:a="http://schemas.openxmlformats.org/drawingml/2006/main" xmlns:r="http://schemas.openxmlformats.org/officeDocument/2006/relationships" xmlns:p="http://schemas.openxmlformats.org/presentationml/2006/main">
+  <p:cSld>
+    <p:spTree>
+      <p:nvGrpSpPr>
+        <p:cNvPr id="1" name=""/>
+        <p:cNvGrpSpPr/>
+        <p:nvPr/>
+      </p:nvGrpSpPr>
+      <p:grpSpPr>
+        <a:xfrm>
+          <a:off x="0" y="0"/>
+          <a:ext cx="0" cy="0"/>
+          <a:chOff x="0" y="0"/>
+          <a:chExt cx="0" cy="0"/>
+        </a:xfrm>
+      </p:grpSpPr>
+      <p:sp>
+        <p:nvSpPr>
+          <p:cNvPr id="2" name="標題 1"/>
+          <p:cNvSpPr>
+            <a:spLocks noGrp="1"/>
+          </p:cNvSpPr>
+          <p:nvPr>
+            <p:ph type="title"/>
+          </p:nvPr>
+        </p:nvSpPr>
+        <p:spPr/>
+        <p:txBody>
+          <a:bodyPr/>
+          <a:lstStyle/>
+          <a:p>
+            <a:r>
+              <a:rPr kumimoji="1" lang="en-US" altLang="zh-TW" dirty="0" smtClean="0"/>
+              <a:t>The</a:t>
+            </a:r>
+            <a:r>
+              <a:rPr kumimoji="1" lang="zh-TW" altLang="en-US" dirty="0" smtClean="0"/>
+              <a:t> </a:t>
+            </a:r>
+            <a:r>
+              <a:rPr kumimoji="1" lang="en-US" altLang="zh-TW" dirty="0" smtClean="0"/>
+              <a:t>End</a:t>
+            </a:r>
+            <a:endParaRPr kumimoji="1" lang="zh-TW" altLang="en-US" dirty="0"/>
+          </a:p>
+        </p:txBody>
+      </p:sp>
+      <p:sp>
+        <p:nvSpPr>
+          <p:cNvPr id="3" name="內容版面配置區 2"/>
+          <p:cNvSpPr>
+            <a:spLocks noGrp="1"/>
+          </p:cNvSpPr>
+          <p:nvPr>
+            <p:ph idx="1"/>
+          </p:nvPr>
+        </p:nvSpPr>
+        <p:spPr/>
+        <p:txBody>
+          <a:bodyPr/>
+          <a:lstStyle/>
+          <a:p>
+            <a:endParaRPr kumimoji="1" lang="zh-TW" altLang="en-US"/>
+          </a:p>
+        </p:txBody>
+      </p:sp>
+    </p:spTree>
+    <p:extLst>
+      <p:ext uri="{BB962C8B-B14F-4D97-AF65-F5344CB8AC3E}">
+        <p14:creationId xmlns:p14="http://schemas.microsoft.com/office/powerpoint/2010/main" val="1980252084"/>
       </p:ext>
     </p:extLst>
   </p:cSld>
